--- a/자료/SeedStudio_ProjectS_기획서_v0.1.pptx
+++ b/자료/SeedStudio_ProjectS_기획서_v0.1.pptx
@@ -317,7 +317,7 @@
           <a:p>
             <a:fld id="{999972AA-FE3A-41E8-94D7-0A348C1614D1}" type="datetimeFigureOut">
               <a:rPr lang="ko-KR" altLang="en-US" smtClean="0"/>
-              <a:t>2023-07-09</a:t>
+              <a:t>2023-07-15</a:t>
             </a:fld>
             <a:endParaRPr lang="ko-KR" altLang="en-US"/>
           </a:p>
@@ -482,7 +482,7 @@
           <a:p>
             <a:fld id="{CB25E66B-2806-4CC0-B543-C1F698B8CB0C}" type="datetimeFigureOut">
               <a:rPr lang="ko-KR" altLang="en-US" smtClean="0"/>
-              <a:t>2023-07-09</a:t>
+              <a:t>2023-07-15</a:t>
             </a:fld>
             <a:endParaRPr lang="ko-KR" altLang="en-US"/>
           </a:p>
@@ -10250,7 +10250,7 @@
           <p:nvPr>
             <p:extLst>
               <p:ext uri="{D42A27DB-BD31-4B8C-83A1-F6EECF244321}">
-                <p14:modId xmlns:p14="http://schemas.microsoft.com/office/powerpoint/2010/main" val="2851015582"/>
+                <p14:modId xmlns:p14="http://schemas.microsoft.com/office/powerpoint/2010/main" val="3298364470"/>
               </p:ext>
             </p:extLst>
           </p:nvPr>
@@ -11026,6 +11026,14 @@
                         <a:tabLst/>
                         <a:defRPr/>
                       </a:pPr>
+                      <a:r>
+                        <a:rPr lang="en-US" altLang="ko-KR" sz="1000" dirty="0">
+                          <a:solidFill>
+                            <a:schemeClr val="bg1"/>
+                          </a:solidFill>
+                        </a:rPr>
+                        <a:t>v.0.2</a:t>
+                      </a:r>
                       <a:endParaRPr lang="ko-KR" altLang="en-US" sz="1000" dirty="0">
                         <a:solidFill>
                           <a:schemeClr val="bg1"/>
@@ -11099,11 +11107,14 @@
                         <a:tabLst/>
                         <a:defRPr/>
                       </a:pPr>
-                      <a:endParaRPr lang="en-US" altLang="ko-KR" sz="1000" dirty="0">
-                        <a:solidFill>
-                          <a:schemeClr val="bg1"/>
-                        </a:solidFill>
-                      </a:endParaRPr>
+                      <a:r>
+                        <a:rPr lang="en-US" altLang="ko-KR" sz="1000" dirty="0">
+                          <a:solidFill>
+                            <a:schemeClr val="bg1"/>
+                          </a:solidFill>
+                        </a:rPr>
+                        <a:t>2023-07-15</a:t>
+                      </a:r>
                     </a:p>
                   </a:txBody>
                   <a:tcPr marL="68352" marR="68352" marT="34176" marB="34176" anchor="ctr">
@@ -11160,6 +11171,14 @@
                     <a:lstStyle/>
                     <a:p>
                       <a:pPr algn="ctr" latinLnBrk="1"/>
+                      <a:r>
+                        <a:rPr lang="en-US" altLang="ko-KR" sz="1000" dirty="0">
+                          <a:solidFill>
+                            <a:schemeClr val="bg1"/>
+                          </a:solidFill>
+                        </a:rPr>
+                        <a:t>3</a:t>
+                      </a:r>
                       <a:endParaRPr lang="ko-KR" altLang="en-US" sz="1000" dirty="0">
                         <a:solidFill>
                           <a:schemeClr val="bg1"/>
@@ -11221,6 +11240,46 @@
                     <a:lstStyle/>
                     <a:p>
                       <a:pPr algn="l" latinLnBrk="1"/>
+                      <a:r>
+                        <a:rPr lang="ko-KR" altLang="en-US" sz="1000" dirty="0">
+                          <a:solidFill>
+                            <a:schemeClr val="bg1"/>
+                          </a:solidFill>
+                        </a:rPr>
+                        <a:t>기대효과에 내용 추가</a:t>
+                      </a:r>
+                      <a:r>
+                        <a:rPr lang="en-US" altLang="ko-KR" sz="1000" dirty="0">
+                          <a:solidFill>
+                            <a:schemeClr val="bg1"/>
+                          </a:solidFill>
+                        </a:rPr>
+                        <a:t>, </a:t>
+                      </a:r>
+                      <a:r>
+                        <a:rPr lang="ko-KR" altLang="en-US" sz="1000" dirty="0">
+                          <a:solidFill>
+                            <a:schemeClr val="bg1"/>
+                          </a:solidFill>
+                        </a:rPr>
+                        <a:t>개발 엔진</a:t>
+                      </a:r>
+                      <a:r>
+                        <a:rPr lang="en-US" altLang="ko-KR" sz="1000" dirty="0">
+                          <a:solidFill>
+                            <a:schemeClr val="bg1"/>
+                          </a:solidFill>
+                        </a:rPr>
+                        <a:t>, </a:t>
+                      </a:r>
+                      <a:r>
+                        <a:rPr lang="ko-KR" altLang="en-US" sz="1000">
+                          <a:solidFill>
+                            <a:schemeClr val="bg1"/>
+                          </a:solidFill>
+                        </a:rPr>
+                        <a:t>개발 기간 추가</a:t>
+                      </a:r>
                       <a:endParaRPr lang="en-US" altLang="ko-KR" sz="1000" dirty="0">
                         <a:solidFill>
                           <a:schemeClr val="bg1"/>
@@ -11298,11 +11357,14 @@
                         <a:tabLst/>
                         <a:defRPr/>
                       </a:pPr>
-                      <a:endParaRPr lang="ko-KR" altLang="en-US" sz="1000" dirty="0">
-                        <a:solidFill>
-                          <a:schemeClr val="bg1"/>
-                        </a:solidFill>
-                      </a:endParaRPr>
+                      <a:r>
+                        <a:rPr lang="ko-KR" altLang="en-US" sz="1000" dirty="0">
+                          <a:solidFill>
+                            <a:schemeClr val="bg1"/>
+                          </a:solidFill>
+                        </a:rPr>
+                        <a:t>최원준</a:t>
+                      </a:r>
                     </a:p>
                   </a:txBody>
                   <a:tcPr marL="68352" marR="68352" marT="34176" marB="34176" anchor="ctr">
@@ -12608,14 +12670,14 @@
           <p:nvPr>
             <p:extLst>
               <p:ext uri="{D42A27DB-BD31-4B8C-83A1-F6EECF244321}">
-                <p14:modId xmlns:p14="http://schemas.microsoft.com/office/powerpoint/2010/main" val="725064592"/>
+                <p14:modId xmlns:p14="http://schemas.microsoft.com/office/powerpoint/2010/main" val="2377348835"/>
               </p:ext>
             </p:extLst>
           </p:nvPr>
         </p:nvGraphicFramePr>
         <p:xfrm>
           <a:off x="275731" y="672900"/>
-          <a:ext cx="8592538" cy="3780588"/>
+          <a:ext cx="8592538" cy="4492223"/>
         </p:xfrm>
         <a:graphic>
           <a:graphicData uri="http://schemas.openxmlformats.org/drawingml/2006/table">
@@ -13449,7 +13511,186 @@
                           <a:latin typeface="나눔고딕" panose="020D0604000000000000" pitchFamily="50" charset="-127"/>
                           <a:ea typeface="나눔고딕" panose="020D0604000000000000" pitchFamily="50" charset="-127"/>
                         </a:rPr>
-                        <a:t>우리의 역량을 파악할 수 있다</a:t>
+                        <a:t>우리의 개발</a:t>
+                      </a:r>
+                      <a:r>
+                        <a:rPr lang="en-US" altLang="ko-KR" sz="800" dirty="0">
+                          <a:solidFill>
+                            <a:schemeClr val="bg1"/>
+                          </a:solidFill>
+                          <a:latin typeface="나눔고딕" panose="020D0604000000000000" pitchFamily="50" charset="-127"/>
+                          <a:ea typeface="나눔고딕" panose="020D0604000000000000" pitchFamily="50" charset="-127"/>
+                        </a:rPr>
+                        <a:t>, </a:t>
+                      </a:r>
+                      <a:r>
+                        <a:rPr lang="ko-KR" altLang="en-US" sz="800" dirty="0">
+                          <a:solidFill>
+                            <a:schemeClr val="bg1"/>
+                          </a:solidFill>
+                          <a:latin typeface="나눔고딕" panose="020D0604000000000000" pitchFamily="50" charset="-127"/>
+                          <a:ea typeface="나눔고딕" panose="020D0604000000000000" pitchFamily="50" charset="-127"/>
+                        </a:rPr>
+                        <a:t>아이디어 활용</a:t>
+                      </a:r>
+                      <a:r>
+                        <a:rPr lang="en-US" altLang="ko-KR" sz="800" dirty="0">
+                          <a:solidFill>
+                            <a:schemeClr val="bg1"/>
+                          </a:solidFill>
+                          <a:latin typeface="나눔고딕" panose="020D0604000000000000" pitchFamily="50" charset="-127"/>
+                          <a:ea typeface="나눔고딕" panose="020D0604000000000000" pitchFamily="50" charset="-127"/>
+                        </a:rPr>
+                        <a:t>, </a:t>
+                      </a:r>
+                      <a:r>
+                        <a:rPr lang="ko-KR" altLang="en-US" sz="800" dirty="0">
+                          <a:solidFill>
+                            <a:schemeClr val="bg1"/>
+                          </a:solidFill>
+                          <a:latin typeface="나눔고딕" panose="020D0604000000000000" pitchFamily="50" charset="-127"/>
+                          <a:ea typeface="나눔고딕" panose="020D0604000000000000" pitchFamily="50" charset="-127"/>
+                        </a:rPr>
+                        <a:t>기획</a:t>
+                      </a:r>
+                      <a:r>
+                        <a:rPr lang="en-US" altLang="ko-KR" sz="800" dirty="0">
+                          <a:solidFill>
+                            <a:schemeClr val="bg1"/>
+                          </a:solidFill>
+                          <a:latin typeface="나눔고딕" panose="020D0604000000000000" pitchFamily="50" charset="-127"/>
+                          <a:ea typeface="나눔고딕" panose="020D0604000000000000" pitchFamily="50" charset="-127"/>
+                        </a:rPr>
+                        <a:t>, </a:t>
+                      </a:r>
+                      <a:r>
+                        <a:rPr lang="ko-KR" altLang="en-US" sz="800" dirty="0">
+                          <a:solidFill>
+                            <a:schemeClr val="bg1"/>
+                          </a:solidFill>
+                          <a:latin typeface="나눔고딕" panose="020D0604000000000000" pitchFamily="50" charset="-127"/>
+                          <a:ea typeface="나눔고딕" panose="020D0604000000000000" pitchFamily="50" charset="-127"/>
+                        </a:rPr>
+                        <a:t>그래픽</a:t>
+                      </a:r>
+                      <a:r>
+                        <a:rPr lang="en-US" altLang="ko-KR" sz="800" dirty="0">
+                          <a:solidFill>
+                            <a:schemeClr val="bg1"/>
+                          </a:solidFill>
+                          <a:latin typeface="나눔고딕" panose="020D0604000000000000" pitchFamily="50" charset="-127"/>
+                          <a:ea typeface="나눔고딕" panose="020D0604000000000000" pitchFamily="50" charset="-127"/>
+                        </a:rPr>
+                        <a:t>, </a:t>
+                      </a:r>
+                      <a:r>
+                        <a:rPr lang="ko-KR" altLang="en-US" sz="800" dirty="0">
+                          <a:solidFill>
+                            <a:schemeClr val="bg1"/>
+                          </a:solidFill>
+                          <a:latin typeface="나눔고딕" panose="020D0604000000000000" pitchFamily="50" charset="-127"/>
+                          <a:ea typeface="나눔고딕" panose="020D0604000000000000" pitchFamily="50" charset="-127"/>
+                        </a:rPr>
+                        <a:t>운영 역량을 파악</a:t>
+                      </a:r>
+                      <a:r>
+                        <a:rPr lang="en-US" altLang="ko-KR" sz="800" dirty="0">
+                          <a:solidFill>
+                            <a:schemeClr val="bg1"/>
+                          </a:solidFill>
+                          <a:latin typeface="나눔고딕" panose="020D0604000000000000" pitchFamily="50" charset="-127"/>
+                          <a:ea typeface="나눔고딕" panose="020D0604000000000000" pitchFamily="50" charset="-127"/>
+                        </a:rPr>
+                        <a:t>/</a:t>
+                      </a:r>
+                      <a:r>
+                        <a:rPr lang="ko-KR" altLang="en-US" sz="800" dirty="0">
+                          <a:solidFill>
+                            <a:schemeClr val="bg1"/>
+                          </a:solidFill>
+                          <a:latin typeface="나눔고딕" panose="020D0604000000000000" pitchFamily="50" charset="-127"/>
+                          <a:ea typeface="나눔고딕" panose="020D0604000000000000" pitchFamily="50" charset="-127"/>
+                        </a:rPr>
+                        <a:t>증진할 수 있다</a:t>
+                      </a:r>
+                      <a:r>
+                        <a:rPr lang="en-US" altLang="ko-KR" sz="800" dirty="0">
+                          <a:solidFill>
+                            <a:schemeClr val="bg1"/>
+                          </a:solidFill>
+                          <a:latin typeface="나눔고딕" panose="020D0604000000000000" pitchFamily="50" charset="-127"/>
+                          <a:ea typeface="나눔고딕" panose="020D0604000000000000" pitchFamily="50" charset="-127"/>
+                        </a:rPr>
+                        <a:t>.</a:t>
+                      </a:r>
+                    </a:p>
+                    <a:p>
+                      <a:pPr marL="171450" marR="0" indent="-171450" algn="just" defTabSz="914400" rtl="0" eaLnBrk="1" fontAlgn="auto" latinLnBrk="1" hangingPunct="1">
+                        <a:lnSpc>
+                          <a:spcPct val="130000"/>
+                        </a:lnSpc>
+                        <a:spcBef>
+                          <a:spcPts val="0"/>
+                        </a:spcBef>
+                        <a:spcAft>
+                          <a:spcPts val="0"/>
+                        </a:spcAft>
+                        <a:buClrTx/>
+                        <a:buSzTx/>
+                        <a:buFont typeface="Arial" panose="020B0604020202020204" pitchFamily="34" charset="0"/>
+                        <a:buChar char="•"/>
+                        <a:tabLst/>
+                        <a:defRPr/>
+                      </a:pPr>
+                      <a:r>
+                        <a:rPr lang="ko-KR" altLang="en-US" sz="800" dirty="0">
+                          <a:solidFill>
+                            <a:schemeClr val="bg1"/>
+                          </a:solidFill>
+                          <a:latin typeface="나눔고딕" panose="020D0604000000000000" pitchFamily="50" charset="-127"/>
+                          <a:ea typeface="나눔고딕" panose="020D0604000000000000" pitchFamily="50" charset="-127"/>
+                        </a:rPr>
+                        <a:t>본격적으로 </a:t>
+                      </a:r>
+                      <a:r>
+                        <a:rPr lang="en-US" altLang="ko-KR" sz="800" dirty="0">
+                          <a:solidFill>
+                            <a:schemeClr val="bg1"/>
+                          </a:solidFill>
+                          <a:latin typeface="나눔고딕" panose="020D0604000000000000" pitchFamily="50" charset="-127"/>
+                          <a:ea typeface="나눔고딕" panose="020D0604000000000000" pitchFamily="50" charset="-127"/>
+                        </a:rPr>
+                        <a:t>Seed Studio</a:t>
+                      </a:r>
+                      <a:r>
+                        <a:rPr lang="ko-KR" altLang="en-US" sz="800" dirty="0">
+                          <a:solidFill>
+                            <a:schemeClr val="bg1"/>
+                          </a:solidFill>
+                          <a:latin typeface="나눔고딕" panose="020D0604000000000000" pitchFamily="50" charset="-127"/>
+                          <a:ea typeface="나눔고딕" panose="020D0604000000000000" pitchFamily="50" charset="-127"/>
+                        </a:rPr>
+                        <a:t>의 </a:t>
+                      </a:r>
+                      <a:r>
+                        <a:rPr lang="en-US" altLang="ko-KR" sz="800" dirty="0">
+                          <a:solidFill>
+                            <a:schemeClr val="bg1"/>
+                          </a:solidFill>
+                          <a:latin typeface="나눔고딕" panose="020D0604000000000000" pitchFamily="50" charset="-127"/>
+                          <a:ea typeface="나눔고딕" panose="020D0604000000000000" pitchFamily="50" charset="-127"/>
+                        </a:rPr>
+                        <a:t>Debut</a:t>
+                      </a:r>
+                      <a:r>
+                        <a:rPr lang="ko-KR" altLang="en-US" sz="800" dirty="0">
+                          <a:solidFill>
+                            <a:schemeClr val="bg1"/>
+                          </a:solidFill>
+                          <a:latin typeface="나눔고딕" panose="020D0604000000000000" pitchFamily="50" charset="-127"/>
+                          <a:ea typeface="나눔고딕" panose="020D0604000000000000" pitchFamily="50" charset="-127"/>
+                        </a:rPr>
+                        <a:t>를 알린다</a:t>
                       </a:r>
                       <a:r>
                         <a:rPr lang="en-US" altLang="ko-KR" sz="800" dirty="0">
@@ -14091,6 +14332,305 @@
                 <a:extLst>
                   <a:ext uri="{0D108BD9-81ED-4DB2-BD59-A6C34878D82A}">
                     <a16:rowId xmlns:a16="http://schemas.microsoft.com/office/drawing/2014/main" val="10006"/>
+                  </a:ext>
+                </a:extLst>
+              </a:tr>
+              <a:tr h="276831">
+                <a:tc>
+                  <a:txBody>
+                    <a:bodyPr/>
+                    <a:lstStyle/>
+                    <a:p>
+                      <a:pPr algn="ctr" latinLnBrk="1"/>
+                      <a:r>
+                        <a:rPr lang="ko-KR" altLang="en-US" sz="800" b="1" dirty="0">
+                          <a:solidFill>
+                            <a:schemeClr val="bg1"/>
+                          </a:solidFill>
+                        </a:rPr>
+                        <a:t>개발 엔진</a:t>
+                      </a:r>
+                    </a:p>
+                  </a:txBody>
+                  <a:tcPr marL="68352" marR="68352" marT="34176" marB="34176" anchor="ctr">
+                    <a:lnL w="3175" cap="flat" cmpd="sng" algn="ctr">
+                      <a:noFill/>
+                      <a:prstDash val="solid"/>
+                      <a:round/>
+                      <a:headEnd type="none" w="med" len="med"/>
+                      <a:tailEnd type="none" w="med" len="med"/>
+                    </a:lnL>
+                    <a:lnR w="3175" cap="flat" cmpd="sng" algn="ctr">
+                      <a:solidFill>
+                        <a:schemeClr val="bg1">
+                          <a:lumMod val="75000"/>
+                        </a:schemeClr>
+                      </a:solidFill>
+                      <a:prstDash val="solid"/>
+                      <a:round/>
+                      <a:headEnd type="none" w="med" len="med"/>
+                      <a:tailEnd type="none" w="med" len="med"/>
+                    </a:lnR>
+                    <a:lnT w="3175" cap="flat" cmpd="sng" algn="ctr">
+                      <a:solidFill>
+                        <a:schemeClr val="bg1">
+                          <a:lumMod val="75000"/>
+                        </a:schemeClr>
+                      </a:solidFill>
+                      <a:prstDash val="solid"/>
+                      <a:round/>
+                      <a:headEnd type="none" w="med" len="med"/>
+                      <a:tailEnd type="none" w="med" len="med"/>
+                    </a:lnT>
+                    <a:lnB w="3175" cap="flat" cmpd="sng" algn="ctr">
+                      <a:solidFill>
+                        <a:schemeClr val="bg1">
+                          <a:lumMod val="75000"/>
+                        </a:schemeClr>
+                      </a:solidFill>
+                      <a:prstDash val="solid"/>
+                      <a:round/>
+                      <a:headEnd type="none" w="med" len="med"/>
+                      <a:tailEnd type="none" w="med" len="med"/>
+                    </a:lnB>
+                    <a:lnTlToBr w="12700" cmpd="sng">
+                      <a:noFill/>
+                      <a:prstDash val="solid"/>
+                    </a:lnTlToBr>
+                    <a:lnBlToTr w="12700" cmpd="sng">
+                      <a:noFill/>
+                      <a:prstDash val="solid"/>
+                    </a:lnBlToTr>
+                    <a:noFill/>
+                  </a:tcPr>
+                </a:tc>
+                <a:tc>
+                  <a:txBody>
+                    <a:bodyPr/>
+                    <a:lstStyle/>
+                    <a:p>
+                      <a:pPr marL="171450" indent="-171450" algn="just" latinLnBrk="1">
+                        <a:lnSpc>
+                          <a:spcPct val="130000"/>
+                        </a:lnSpc>
+                        <a:buFont typeface="Arial" panose="020B0604020202020204" pitchFamily="34" charset="0"/>
+                        <a:buChar char="•"/>
+                      </a:pPr>
+                      <a:r>
+                        <a:rPr lang="en-US" altLang="ko-KR" sz="800" baseline="0" dirty="0">
+                          <a:solidFill>
+                            <a:schemeClr val="bg1"/>
+                          </a:solidFill>
+                          <a:latin typeface="나눔고딕" panose="020D0604000000000000" pitchFamily="50" charset="-127"/>
+                          <a:ea typeface="나눔고딕" panose="020D0604000000000000" pitchFamily="50" charset="-127"/>
+                        </a:rPr>
+                        <a:t>Unity 2023.4f1</a:t>
+                      </a:r>
+                    </a:p>
+                  </a:txBody>
+                  <a:tcPr anchor="ctr">
+                    <a:lnL w="3175" cap="flat" cmpd="sng" algn="ctr">
+                      <a:solidFill>
+                        <a:schemeClr val="bg1">
+                          <a:lumMod val="75000"/>
+                        </a:schemeClr>
+                      </a:solidFill>
+                      <a:prstDash val="solid"/>
+                      <a:round/>
+                      <a:headEnd type="none" w="med" len="med"/>
+                      <a:tailEnd type="none" w="med" len="med"/>
+                    </a:lnL>
+                    <a:lnR w="12700" cap="flat" cmpd="sng" algn="ctr">
+                      <a:noFill/>
+                      <a:prstDash val="solid"/>
+                      <a:round/>
+                      <a:headEnd type="none" w="med" len="med"/>
+                      <a:tailEnd type="none" w="med" len="med"/>
+                    </a:lnR>
+                    <a:lnT w="3175" cap="flat" cmpd="sng" algn="ctr">
+                      <a:solidFill>
+                        <a:schemeClr val="bg1">
+                          <a:lumMod val="75000"/>
+                        </a:schemeClr>
+                      </a:solidFill>
+                      <a:prstDash val="solid"/>
+                      <a:round/>
+                      <a:headEnd type="none" w="med" len="med"/>
+                      <a:tailEnd type="none" w="med" len="med"/>
+                    </a:lnT>
+                    <a:lnB w="3175" cap="flat" cmpd="sng" algn="ctr">
+                      <a:solidFill>
+                        <a:schemeClr val="bg1">
+                          <a:lumMod val="75000"/>
+                        </a:schemeClr>
+                      </a:solidFill>
+                      <a:prstDash val="solid"/>
+                      <a:round/>
+                      <a:headEnd type="none" w="med" len="med"/>
+                      <a:tailEnd type="none" w="med" len="med"/>
+                    </a:lnB>
+                    <a:lnTlToBr w="12700" cmpd="sng">
+                      <a:noFill/>
+                      <a:prstDash val="solid"/>
+                    </a:lnTlToBr>
+                    <a:lnBlToTr w="12700" cmpd="sng">
+                      <a:noFill/>
+                      <a:prstDash val="solid"/>
+                    </a:lnBlToTr>
+                    <a:noFill/>
+                  </a:tcPr>
+                </a:tc>
+                <a:extLst>
+                  <a:ext uri="{0D108BD9-81ED-4DB2-BD59-A6C34878D82A}">
+                    <a16:rowId xmlns:a16="http://schemas.microsoft.com/office/drawing/2014/main" val="3387425449"/>
+                  </a:ext>
+                </a:extLst>
+              </a:tr>
+              <a:tr h="276308">
+                <a:tc>
+                  <a:txBody>
+                    <a:bodyPr/>
+                    <a:lstStyle/>
+                    <a:p>
+                      <a:pPr algn="ctr" latinLnBrk="1"/>
+                      <a:r>
+                        <a:rPr lang="ko-KR" altLang="en-US" sz="800" b="1" dirty="0">
+                          <a:solidFill>
+                            <a:schemeClr val="bg1"/>
+                          </a:solidFill>
+                        </a:rPr>
+                        <a:t>개발 기간</a:t>
+                      </a:r>
+                    </a:p>
+                  </a:txBody>
+                  <a:tcPr marL="68352" marR="68352" marT="34176" marB="34176" anchor="ctr">
+                    <a:lnL w="3175" cap="flat" cmpd="sng" algn="ctr">
+                      <a:noFill/>
+                      <a:prstDash val="solid"/>
+                      <a:round/>
+                      <a:headEnd type="none" w="med" len="med"/>
+                      <a:tailEnd type="none" w="med" len="med"/>
+                    </a:lnL>
+                    <a:lnR w="3175" cap="flat" cmpd="sng" algn="ctr">
+                      <a:solidFill>
+                        <a:schemeClr val="bg1">
+                          <a:lumMod val="75000"/>
+                        </a:schemeClr>
+                      </a:solidFill>
+                      <a:prstDash val="solid"/>
+                      <a:round/>
+                      <a:headEnd type="none" w="med" len="med"/>
+                      <a:tailEnd type="none" w="med" len="med"/>
+                    </a:lnR>
+                    <a:lnT w="3175" cap="flat" cmpd="sng" algn="ctr">
+                      <a:solidFill>
+                        <a:schemeClr val="bg1">
+                          <a:lumMod val="75000"/>
+                        </a:schemeClr>
+                      </a:solidFill>
+                      <a:prstDash val="solid"/>
+                      <a:round/>
+                      <a:headEnd type="none" w="med" len="med"/>
+                      <a:tailEnd type="none" w="med" len="med"/>
+                    </a:lnT>
+                    <a:lnB w="3175" cap="flat" cmpd="sng" algn="ctr">
+                      <a:solidFill>
+                        <a:schemeClr val="bg1">
+                          <a:lumMod val="75000"/>
+                        </a:schemeClr>
+                      </a:solidFill>
+                      <a:prstDash val="solid"/>
+                      <a:round/>
+                      <a:headEnd type="none" w="med" len="med"/>
+                      <a:tailEnd type="none" w="med" len="med"/>
+                    </a:lnB>
+                    <a:lnTlToBr w="12700" cmpd="sng">
+                      <a:noFill/>
+                      <a:prstDash val="solid"/>
+                    </a:lnTlToBr>
+                    <a:lnBlToTr w="12700" cmpd="sng">
+                      <a:noFill/>
+                      <a:prstDash val="solid"/>
+                    </a:lnBlToTr>
+                    <a:noFill/>
+                  </a:tcPr>
+                </a:tc>
+                <a:tc>
+                  <a:txBody>
+                    <a:bodyPr/>
+                    <a:lstStyle/>
+                    <a:p>
+                      <a:pPr algn="l" latinLnBrk="1"/>
+                      <a:r>
+                        <a:rPr lang="en-US" altLang="ko-KR" sz="800" dirty="0">
+                          <a:solidFill>
+                            <a:schemeClr val="bg1"/>
+                          </a:solidFill>
+                        </a:rPr>
+                        <a:t>2023.06.03 ~ 2024.02.&amp;&amp;</a:t>
+                      </a:r>
+                      <a:endParaRPr lang="ko-KR" altLang="en-US" sz="800" dirty="0">
+                        <a:solidFill>
+                          <a:schemeClr val="bg1"/>
+                        </a:solidFill>
+                      </a:endParaRPr>
+                    </a:p>
+                  </a:txBody>
+                  <a:tcPr marL="68352" marR="68352" marT="34176" marB="34176" anchor="ctr">
+                    <a:lnL w="3175" cap="flat" cmpd="sng" algn="ctr">
+                      <a:solidFill>
+                        <a:schemeClr val="bg1">
+                          <a:lumMod val="75000"/>
+                        </a:schemeClr>
+                      </a:solidFill>
+                      <a:prstDash val="solid"/>
+                      <a:round/>
+                      <a:headEnd type="none" w="med" len="med"/>
+                      <a:tailEnd type="none" w="med" len="med"/>
+                    </a:lnL>
+                    <a:lnR w="12700" cap="flat" cmpd="sng" algn="ctr">
+                      <a:noFill/>
+                      <a:prstDash val="solid"/>
+                      <a:round/>
+                      <a:headEnd type="none" w="med" len="med"/>
+                      <a:tailEnd type="none" w="med" len="med"/>
+                    </a:lnR>
+                    <a:lnT w="3175" cap="flat" cmpd="sng" algn="ctr">
+                      <a:solidFill>
+                        <a:schemeClr val="bg1">
+                          <a:lumMod val="75000"/>
+                        </a:schemeClr>
+                      </a:solidFill>
+                      <a:prstDash val="solid"/>
+                      <a:round/>
+                      <a:headEnd type="none" w="med" len="med"/>
+                      <a:tailEnd type="none" w="med" len="med"/>
+                    </a:lnT>
+                    <a:lnB w="3175" cap="flat" cmpd="sng" algn="ctr">
+                      <a:solidFill>
+                        <a:schemeClr val="bg1">
+                          <a:lumMod val="75000"/>
+                        </a:schemeClr>
+                      </a:solidFill>
+                      <a:prstDash val="solid"/>
+                      <a:round/>
+                      <a:headEnd type="none" w="med" len="med"/>
+                      <a:tailEnd type="none" w="med" len="med"/>
+                    </a:lnB>
+                    <a:lnTlToBr w="12700" cmpd="sng">
+                      <a:noFill/>
+                      <a:prstDash val="solid"/>
+                    </a:lnTlToBr>
+                    <a:lnBlToTr w="12700" cmpd="sng">
+                      <a:noFill/>
+                      <a:prstDash val="solid"/>
+                    </a:lnBlToTr>
+                    <a:noFill/>
+                  </a:tcPr>
+                </a:tc>
+                <a:extLst>
+                  <a:ext uri="{0D108BD9-81ED-4DB2-BD59-A6C34878D82A}">
+                    <a16:rowId xmlns:a16="http://schemas.microsoft.com/office/drawing/2014/main" val="1751375709"/>
                   </a:ext>
                 </a:extLst>
               </a:tr>
